--- a/presentation/Presentatie.pptx
+++ b/presentation/Presentatie.pptx
@@ -263,7 +263,7 @@
           <a:p>
             <a:fld id="{0679C8B4-9EE8-44BC-B532-9CA205E41764}" type="datetimeFigureOut">
               <a:rPr lang="nl-NL" smtClean="0"/>
-              <a:t>16-1-2020</a:t>
+              <a:t>20-1-2020</a:t>
             </a:fld>
             <a:endParaRPr lang="nl-NL"/>
           </a:p>
@@ -461,7 +461,7 @@
           <a:p>
             <a:fld id="{0679C8B4-9EE8-44BC-B532-9CA205E41764}" type="datetimeFigureOut">
               <a:rPr lang="nl-NL" smtClean="0"/>
-              <a:t>16-1-2020</a:t>
+              <a:t>20-1-2020</a:t>
             </a:fld>
             <a:endParaRPr lang="nl-NL"/>
           </a:p>
@@ -669,7 +669,7 @@
           <a:p>
             <a:fld id="{0679C8B4-9EE8-44BC-B532-9CA205E41764}" type="datetimeFigureOut">
               <a:rPr lang="nl-NL" smtClean="0"/>
-              <a:t>16-1-2020</a:t>
+              <a:t>20-1-2020</a:t>
             </a:fld>
             <a:endParaRPr lang="nl-NL"/>
           </a:p>
@@ -867,7 +867,7 @@
           <a:p>
             <a:fld id="{0679C8B4-9EE8-44BC-B532-9CA205E41764}" type="datetimeFigureOut">
               <a:rPr lang="nl-NL" smtClean="0"/>
-              <a:t>16-1-2020</a:t>
+              <a:t>20-1-2020</a:t>
             </a:fld>
             <a:endParaRPr lang="nl-NL"/>
           </a:p>
@@ -1142,7 +1142,7 @@
           <a:p>
             <a:fld id="{0679C8B4-9EE8-44BC-B532-9CA205E41764}" type="datetimeFigureOut">
               <a:rPr lang="nl-NL" smtClean="0"/>
-              <a:t>16-1-2020</a:t>
+              <a:t>20-1-2020</a:t>
             </a:fld>
             <a:endParaRPr lang="nl-NL"/>
           </a:p>
@@ -1407,7 +1407,7 @@
           <a:p>
             <a:fld id="{0679C8B4-9EE8-44BC-B532-9CA205E41764}" type="datetimeFigureOut">
               <a:rPr lang="nl-NL" smtClean="0"/>
-              <a:t>16-1-2020</a:t>
+              <a:t>20-1-2020</a:t>
             </a:fld>
             <a:endParaRPr lang="nl-NL"/>
           </a:p>
@@ -1819,7 +1819,7 @@
           <a:p>
             <a:fld id="{0679C8B4-9EE8-44BC-B532-9CA205E41764}" type="datetimeFigureOut">
               <a:rPr lang="nl-NL" smtClean="0"/>
-              <a:t>16-1-2020</a:t>
+              <a:t>20-1-2020</a:t>
             </a:fld>
             <a:endParaRPr lang="nl-NL"/>
           </a:p>
@@ -1960,7 +1960,7 @@
           <a:p>
             <a:fld id="{0679C8B4-9EE8-44BC-B532-9CA205E41764}" type="datetimeFigureOut">
               <a:rPr lang="nl-NL" smtClean="0"/>
-              <a:t>16-1-2020</a:t>
+              <a:t>20-1-2020</a:t>
             </a:fld>
             <a:endParaRPr lang="nl-NL"/>
           </a:p>
@@ -2073,7 +2073,7 @@
           <a:p>
             <a:fld id="{0679C8B4-9EE8-44BC-B532-9CA205E41764}" type="datetimeFigureOut">
               <a:rPr lang="nl-NL" smtClean="0"/>
-              <a:t>16-1-2020</a:t>
+              <a:t>20-1-2020</a:t>
             </a:fld>
             <a:endParaRPr lang="nl-NL"/>
           </a:p>
@@ -2384,7 +2384,7 @@
           <a:p>
             <a:fld id="{0679C8B4-9EE8-44BC-B532-9CA205E41764}" type="datetimeFigureOut">
               <a:rPr lang="nl-NL" smtClean="0"/>
-              <a:t>16-1-2020</a:t>
+              <a:t>20-1-2020</a:t>
             </a:fld>
             <a:endParaRPr lang="nl-NL"/>
           </a:p>
@@ -2672,7 +2672,7 @@
           <a:p>
             <a:fld id="{0679C8B4-9EE8-44BC-B532-9CA205E41764}" type="datetimeFigureOut">
               <a:rPr lang="nl-NL" smtClean="0"/>
-              <a:t>16-1-2020</a:t>
+              <a:t>20-1-2020</a:t>
             </a:fld>
             <a:endParaRPr lang="nl-NL"/>
           </a:p>
@@ -2913,7 +2913,7 @@
           <a:p>
             <a:fld id="{0679C8B4-9EE8-44BC-B532-9CA205E41764}" type="datetimeFigureOut">
               <a:rPr lang="nl-NL" smtClean="0"/>
-              <a:t>16-1-2020</a:t>
+              <a:t>20-1-2020</a:t>
             </a:fld>
             <a:endParaRPr lang="nl-NL"/>
           </a:p>
@@ -3991,8 +3991,8 @@
           <a:chExt cx="0" cy="0"/>
         </a:xfrm>
       </p:grpSpPr>
-      <mc:AlternateContent xmlns:mc="http://schemas.openxmlformats.org/markup-compatibility/2006" xmlns:a14="http://schemas.microsoft.com/office/drawing/2010/main">
-        <mc:Choice Requires="a14">
+      <mc:AlternateContent xmlns:mc="http://schemas.openxmlformats.org/markup-compatibility/2006">
+        <mc:Choice xmlns:a14="http://schemas.microsoft.com/office/drawing/2010/main" Requires="a14">
           <p:sp>
             <p:nvSpPr>
               <p:cNvPr id="7" name="Tekstvak 6">
@@ -4007,8 +4007,8 @@
             </p:nvSpPr>
             <p:spPr>
               <a:xfrm>
-                <a:off x="1102936" y="2932837"/>
-                <a:ext cx="4636730" cy="1631216"/>
+                <a:off x="1102936" y="2432531"/>
+                <a:ext cx="4636730" cy="4056110"/>
               </a:xfrm>
               <a:prstGeom prst="rect">
                 <a:avLst/>
@@ -4020,6 +4020,329 @@
                 <a:spAutoFit/>
               </a:bodyPr>
               <a:lstStyle/>
+              <a:p>
+                <a:r>
+                  <a:rPr lang="nl-NL" sz="2000" i="1" dirty="0">
+                    <a:solidFill>
+                      <a:srgbClr val="000066"/>
+                    </a:solidFill>
+                    <a:ea typeface="Cambria Math" panose="02040503050406030204" pitchFamily="18" charset="0"/>
+                  </a:rPr>
+                  <a:t>Daadwerkelijke ondergrens </a:t>
+                </a:r>
+                <a:endParaRPr lang="nl-NL" sz="2000" i="1" dirty="0">
+                  <a:solidFill>
+                    <a:srgbClr val="000066"/>
+                  </a:solidFill>
+                  <a:latin typeface="Cambria Math" panose="02040503050406030204" pitchFamily="18" charset="0"/>
+                  <a:ea typeface="Cambria Math" panose="02040503050406030204" pitchFamily="18" charset="0"/>
+                </a:endParaRPr>
+              </a:p>
+              <a:p>
+                <a:pPr/>
+                <a14:m>
+                  <m:oMathPara xmlns:m="http://schemas.openxmlformats.org/officeDocument/2006/math">
+                    <m:oMathParaPr>
+                      <m:jc m:val="left"/>
+                    </m:oMathParaPr>
+                    <m:oMath xmlns:m="http://schemas.openxmlformats.org/officeDocument/2006/math">
+                      <m:r>
+                        <a:rPr lang="nl-NL" sz="2000" i="1">
+                          <a:solidFill>
+                            <a:srgbClr val="000066"/>
+                          </a:solidFill>
+                          <a:latin typeface="Cambria Math" panose="02040503050406030204" pitchFamily="18" charset="0"/>
+                        </a:rPr>
+                        <m:t>𝑝</m:t>
+                      </m:r>
+                      <m:r>
+                        <a:rPr lang="nl-NL" sz="2000" i="1">
+                          <a:solidFill>
+                            <a:srgbClr val="000066"/>
+                          </a:solidFill>
+                          <a:latin typeface="Cambria Math" panose="02040503050406030204" pitchFamily="18" charset="0"/>
+                        </a:rPr>
+                        <m:t>=</m:t>
+                      </m:r>
+                      <m:f>
+                        <m:fPr>
+                          <m:ctrlPr>
+                            <a:rPr lang="nl-NL" sz="2000" i="1">
+                              <a:solidFill>
+                                <a:srgbClr val="000066"/>
+                              </a:solidFill>
+                              <a:latin typeface="Cambria Math" panose="02040503050406030204" pitchFamily="18" charset="0"/>
+                            </a:rPr>
+                          </m:ctrlPr>
+                        </m:fPr>
+                        <m:num>
+                          <m:r>
+                            <a:rPr lang="nl-NL" sz="2000" i="1">
+                              <a:solidFill>
+                                <a:srgbClr val="000066"/>
+                              </a:solidFill>
+                              <a:latin typeface="Cambria Math" panose="02040503050406030204" pitchFamily="18" charset="0"/>
+                            </a:rPr>
+                            <m:t>1</m:t>
+                          </m:r>
+                        </m:num>
+                        <m:den>
+                          <m:r>
+                            <a:rPr lang="nl-NL" sz="2000" i="1">
+                              <a:solidFill>
+                                <a:srgbClr val="000066"/>
+                              </a:solidFill>
+                              <a:latin typeface="Cambria Math" panose="02040503050406030204" pitchFamily="18" charset="0"/>
+                            </a:rPr>
+                            <m:t>81</m:t>
+                          </m:r>
+                        </m:den>
+                      </m:f>
+                      <m:r>
+                        <a:rPr lang="nl-NL" sz="2000" i="1">
+                          <a:solidFill>
+                            <a:srgbClr val="000066"/>
+                          </a:solidFill>
+                          <a:latin typeface="Cambria Math" panose="02040503050406030204" pitchFamily="18" charset="0"/>
+                        </a:rPr>
+                        <m:t> </m:t>
+                      </m:r>
+                      <m:d>
+                        <m:dPr>
+                          <m:ctrlPr>
+                            <a:rPr lang="nl-NL" sz="2000" i="1">
+                              <a:solidFill>
+                                <a:srgbClr val="000066"/>
+                              </a:solidFill>
+                              <a:latin typeface="Cambria Math" panose="02040503050406030204" pitchFamily="18" charset="0"/>
+                            </a:rPr>
+                          </m:ctrlPr>
+                        </m:dPr>
+                        <m:e>
+                          <m:r>
+                            <a:rPr lang="nl-NL" sz="2000" i="1">
+                              <a:solidFill>
+                                <a:srgbClr val="000066"/>
+                              </a:solidFill>
+                              <a:latin typeface="Cambria Math" panose="02040503050406030204" pitchFamily="18" charset="0"/>
+                            </a:rPr>
+                            <m:t>1</m:t>
+                          </m:r>
+                          <m:r>
+                            <a:rPr lang="nl-NL" sz="2000" i="1">
+                              <a:solidFill>
+                                <a:srgbClr val="000066"/>
+                              </a:solidFill>
+                              <a:latin typeface="Cambria Math" panose="02040503050406030204" pitchFamily="18" charset="0"/>
+                            </a:rPr>
+                            <m:t> </m:t>
+                          </m:r>
+                          <m:r>
+                            <a:rPr lang="nl-NL" sz="2000" i="1">
+                              <a:solidFill>
+                                <a:srgbClr val="000066"/>
+                              </a:solidFill>
+                              <a:latin typeface="Cambria Math" panose="02040503050406030204" pitchFamily="18" charset="0"/>
+                            </a:rPr>
+                            <m:t>𝑣𝑒𝑟𝑏𝑖𝑛𝑑𝑖𝑛𝑔</m:t>
+                          </m:r>
+                          <m:r>
+                            <a:rPr lang="nl-NL" sz="2000" i="1">
+                              <a:solidFill>
+                                <a:srgbClr val="000066"/>
+                              </a:solidFill>
+                              <a:latin typeface="Cambria Math" panose="02040503050406030204" pitchFamily="18" charset="0"/>
+                            </a:rPr>
+                            <m:t> </m:t>
+                          </m:r>
+                          <m:r>
+                            <a:rPr lang="nl-NL" sz="2000" i="1">
+                              <a:solidFill>
+                                <a:srgbClr val="000066"/>
+                              </a:solidFill>
+                              <a:latin typeface="Cambria Math" panose="02040503050406030204" pitchFamily="18" charset="0"/>
+                            </a:rPr>
+                            <m:t>𝑏𝑒𝑟𝑒𝑑𝑒𝑛</m:t>
+                          </m:r>
+                        </m:e>
+                      </m:d>
+                    </m:oMath>
+                  </m:oMathPara>
+                </a14:m>
+                <a:endParaRPr lang="nl-NL" sz="2000" dirty="0">
+                  <a:solidFill>
+                    <a:srgbClr val="000066"/>
+                  </a:solidFill>
+                </a:endParaRPr>
+              </a:p>
+              <a:p>
+                <a:pPr/>
+                <a14:m>
+                  <m:oMathPara xmlns:m="http://schemas.openxmlformats.org/officeDocument/2006/math">
+                    <m:oMathParaPr>
+                      <m:jc m:val="left"/>
+                    </m:oMathParaPr>
+                    <m:oMath xmlns:m="http://schemas.openxmlformats.org/officeDocument/2006/math">
+                      <m:r>
+                        <a:rPr lang="nl-NL" sz="2000" i="1">
+                          <a:solidFill>
+                            <a:srgbClr val="000066"/>
+                          </a:solidFill>
+                          <a:latin typeface="Cambria Math" panose="02040503050406030204" pitchFamily="18" charset="0"/>
+                        </a:rPr>
+                        <m:t>𝑀𝑖𝑛</m:t>
+                      </m:r>
+                      <m:r>
+                        <a:rPr lang="nl-NL" sz="2000" i="1">
+                          <a:solidFill>
+                            <a:srgbClr val="000066"/>
+                          </a:solidFill>
+                          <a:latin typeface="Cambria Math" panose="02040503050406030204" pitchFamily="18" charset="0"/>
+                        </a:rPr>
+                        <m:t>=1 ∗63 </m:t>
+                      </m:r>
+                      <m:d>
+                        <m:dPr>
+                          <m:ctrlPr>
+                            <a:rPr lang="nl-NL" sz="2000" i="1">
+                              <a:solidFill>
+                                <a:srgbClr val="000066"/>
+                              </a:solidFill>
+                              <a:latin typeface="Cambria Math" panose="02040503050406030204" pitchFamily="18" charset="0"/>
+                            </a:rPr>
+                          </m:ctrlPr>
+                        </m:dPr>
+                        <m:e>
+                          <m:r>
+                            <a:rPr lang="nl-NL" sz="2000" i="1">
+                              <a:solidFill>
+                                <a:srgbClr val="000066"/>
+                              </a:solidFill>
+                              <a:latin typeface="Cambria Math" panose="02040503050406030204" pitchFamily="18" charset="0"/>
+                            </a:rPr>
+                            <m:t>𝑚𝑎𝑥𝑖𝑚𝑎𝑙𝑒</m:t>
+                          </m:r>
+                          <m:r>
+                            <a:rPr lang="nl-NL" sz="2000" i="1">
+                              <a:solidFill>
+                                <a:srgbClr val="000066"/>
+                              </a:solidFill>
+                              <a:latin typeface="Cambria Math" panose="02040503050406030204" pitchFamily="18" charset="0"/>
+                            </a:rPr>
+                            <m:t> </m:t>
+                          </m:r>
+                          <m:r>
+                            <a:rPr lang="nl-NL" sz="2000" i="1">
+                              <a:solidFill>
+                                <a:srgbClr val="000066"/>
+                              </a:solidFill>
+                              <a:latin typeface="Cambria Math" panose="02040503050406030204" pitchFamily="18" charset="0"/>
+                            </a:rPr>
+                            <m:t>𝑡𝑖𝑗𝑑</m:t>
+                          </m:r>
+                        </m:e>
+                      </m:d>
+                    </m:oMath>
+                  </m:oMathPara>
+                </a14:m>
+                <a:endParaRPr lang="nl-NL" sz="2000" dirty="0">
+                  <a:solidFill>
+                    <a:srgbClr val="000066"/>
+                  </a:solidFill>
+                </a:endParaRPr>
+              </a:p>
+              <a:p>
+                <a:pPr/>
+                <a14:m>
+                  <m:oMathPara xmlns:m="http://schemas.openxmlformats.org/officeDocument/2006/math">
+                    <m:oMathParaPr>
+                      <m:jc m:val="left"/>
+                    </m:oMathParaPr>
+                    <m:oMath xmlns:m="http://schemas.openxmlformats.org/officeDocument/2006/math">
+                      <m:r>
+                        <a:rPr lang="nl-NL" sz="2000" i="1">
+                          <a:solidFill>
+                            <a:srgbClr val="000066"/>
+                          </a:solidFill>
+                          <a:latin typeface="Cambria Math" panose="02040503050406030204" pitchFamily="18" charset="0"/>
+                        </a:rPr>
+                        <m:t>𝑇</m:t>
+                      </m:r>
+                      <m:r>
+                        <a:rPr lang="nl-NL" sz="2000" i="1">
+                          <a:solidFill>
+                            <a:srgbClr val="000066"/>
+                          </a:solidFill>
+                          <a:latin typeface="Cambria Math" panose="02040503050406030204" pitchFamily="18" charset="0"/>
+                        </a:rPr>
+                        <m:t>=1</m:t>
+                      </m:r>
+                    </m:oMath>
+                  </m:oMathPara>
+                </a14:m>
+                <a:endParaRPr lang="nl-NL" sz="2000" dirty="0">
+                  <a:solidFill>
+                    <a:srgbClr val="000066"/>
+                  </a:solidFill>
+                  <a:ea typeface="Cambria Math" panose="02040503050406030204" pitchFamily="18" charset="0"/>
+                </a:endParaRPr>
+              </a:p>
+              <a:p>
+                <a:endParaRPr lang="nl-NL" sz="2000" i="1" dirty="0">
+                  <a:solidFill>
+                    <a:srgbClr val="000066"/>
+                  </a:solidFill>
+                  <a:latin typeface="Cambria Math" panose="02040503050406030204" pitchFamily="18" charset="0"/>
+                  <a:ea typeface="Cambria Math" panose="02040503050406030204" pitchFamily="18" charset="0"/>
+                </a:endParaRPr>
+              </a:p>
+              <a:p>
+                <a:pPr/>
+                <a14:m>
+                  <m:oMathPara xmlns:m="http://schemas.openxmlformats.org/officeDocument/2006/math">
+                    <m:oMathParaPr>
+                      <m:jc m:val="left"/>
+                    </m:oMathParaPr>
+                    <m:oMath xmlns:m="http://schemas.openxmlformats.org/officeDocument/2006/math">
+                      <m:r>
+                        <a:rPr lang="nl-NL" sz="2000" i="1">
+                          <a:solidFill>
+                            <a:srgbClr val="000066"/>
+                          </a:solidFill>
+                          <a:latin typeface="Cambria Math" panose="02040503050406030204" pitchFamily="18" charset="0"/>
+                          <a:ea typeface="Cambria Math" panose="02040503050406030204" pitchFamily="18" charset="0"/>
+                        </a:rPr>
+                        <m:t>𝐾</m:t>
+                      </m:r>
+                      <m:r>
+                        <a:rPr lang="nl-NL" sz="2000" i="1">
+                          <a:solidFill>
+                            <a:srgbClr val="000066"/>
+                          </a:solidFill>
+                          <a:latin typeface="Cambria Math" panose="02040503050406030204" pitchFamily="18" charset="0"/>
+                          <a:ea typeface="Cambria Math" panose="02040503050406030204" pitchFamily="18" charset="0"/>
+                        </a:rPr>
+                        <m:t>≅−37.5</m:t>
+                      </m:r>
+                    </m:oMath>
+                  </m:oMathPara>
+                </a14:m>
+                <a:endParaRPr lang="nl-NL" sz="2000" i="1" dirty="0">
+                  <a:solidFill>
+                    <a:srgbClr val="000066"/>
+                  </a:solidFill>
+                  <a:ea typeface="Cambria Math" panose="02040503050406030204" pitchFamily="18" charset="0"/>
+                </a:endParaRPr>
+              </a:p>
+              <a:p>
+                <a:pPr/>
+                <a:endParaRPr lang="nl-NL" sz="2000" b="0" i="1" dirty="0">
+                  <a:solidFill>
+                    <a:srgbClr val="000066"/>
+                  </a:solidFill>
+                  <a:latin typeface="Cambria Math" panose="02040503050406030204" pitchFamily="18" charset="0"/>
+                </a:endParaRPr>
+              </a:p>
               <a:p>
                 <a:pPr/>
                 <a14:m>
@@ -4275,7 +4598,7 @@
             </p:txBody>
           </p:sp>
         </mc:Choice>
-        <mc:Fallback xmlns="">
+        <mc:Fallback>
           <p:sp>
             <p:nvSpPr>
               <p:cNvPr id="7" name="Tekstvak 6">
@@ -4292,8 +4615,8 @@
             </p:nvSpPr>
             <p:spPr>
               <a:xfrm>
-                <a:off x="1102936" y="2932837"/>
-                <a:ext cx="4636730" cy="1631216"/>
+                <a:off x="1102936" y="2432531"/>
+                <a:ext cx="4636730" cy="4056110"/>
               </a:xfrm>
               <a:prstGeom prst="rect">
                 <a:avLst/>
@@ -4301,7 +4624,7 @@
               <a:blipFill>
                 <a:blip r:embed="rId2"/>
                 <a:stretch>
-                  <a:fillRect/>
+                  <a:fillRect l="-1445" t="-752"/>
                 </a:stretch>
               </a:blipFill>
             </p:spPr>
@@ -4529,8 +4852,8 @@
           </a:fontRef>
         </p:style>
       </p:cxnSp>
-      <mc:AlternateContent xmlns:mc="http://schemas.openxmlformats.org/markup-compatibility/2006" xmlns:a14="http://schemas.microsoft.com/office/drawing/2010/main">
-        <mc:Choice Requires="a14">
+      <mc:AlternateContent xmlns:mc="http://schemas.openxmlformats.org/markup-compatibility/2006">
+        <mc:Choice xmlns:a14="http://schemas.microsoft.com/office/drawing/2010/main" Requires="a14">
           <p:sp>
             <p:nvSpPr>
               <p:cNvPr id="10" name="Tekstvak 9">
@@ -4545,7 +4868,7 @@
             </p:nvSpPr>
             <p:spPr>
               <a:xfrm>
-                <a:off x="6600043" y="2794466"/>
+                <a:off x="6600043" y="2475021"/>
                 <a:ext cx="4911024" cy="1907958"/>
               </a:xfrm>
               <a:prstGeom prst="rect">
@@ -4864,42 +5187,40 @@
               <a:p>
                 <a:pPr/>
                 <a14:m>
-                  <m:oMathPara xmlns:m="http://schemas.openxmlformats.org/officeDocument/2006/math">
-                    <m:oMathParaPr>
-                      <m:jc m:val="left"/>
-                    </m:oMathParaPr>
-                    <m:oMath xmlns:m="http://schemas.openxmlformats.org/officeDocument/2006/math">
-                      <m:r>
-                        <a:rPr lang="nl-NL" sz="2000" b="0" i="1" smtClean="0">
-                          <a:solidFill>
-                            <a:srgbClr val="000066"/>
-                          </a:solidFill>
-                          <a:latin typeface="Cambria Math" panose="02040503050406030204" pitchFamily="18" charset="0"/>
-                        </a:rPr>
-                        <m:t>𝐾</m:t>
-                      </m:r>
-                      <m:r>
-                        <a:rPr lang="nl-NL" sz="2000" b="0" i="1" smtClean="0">
-                          <a:solidFill>
-                            <a:srgbClr val="000066"/>
-                          </a:solidFill>
-                          <a:latin typeface="Cambria Math" panose="02040503050406030204" pitchFamily="18" charset="0"/>
-                        </a:rPr>
-                        <m:t>=7549</m:t>
-                      </m:r>
-                    </m:oMath>
-                  </m:oMathPara>
+                  <m:oMath xmlns:m="http://schemas.openxmlformats.org/officeDocument/2006/math">
+                    <m:r>
+                      <a:rPr lang="nl-NL" sz="2000" b="0" i="1" smtClean="0">
+                        <a:solidFill>
+                          <a:srgbClr val="000066"/>
+                        </a:solidFill>
+                        <a:latin typeface="Cambria Math" panose="02040503050406030204" pitchFamily="18" charset="0"/>
+                      </a:rPr>
+                      <m:t>𝐾</m:t>
+                    </m:r>
+                    <m:r>
+                      <a:rPr lang="nl-NL" sz="2000" b="0" i="1" smtClean="0">
+                        <a:solidFill>
+                          <a:srgbClr val="000066"/>
+                        </a:solidFill>
+                        <a:latin typeface="Cambria Math" panose="02040503050406030204" pitchFamily="18" charset="0"/>
+                      </a:rPr>
+                      <m:t>=7549</m:t>
+                    </m:r>
+                  </m:oMath>
                 </a14:m>
-                <a:endParaRPr lang="nl-NL" sz="2000" dirty="0">
-                  <a:solidFill>
-                    <a:srgbClr val="000066"/>
-                  </a:solidFill>
-                </a:endParaRPr>
+                <a:r>
+                  <a:rPr lang="nl-NL" sz="2000" dirty="0">
+                    <a:solidFill>
+                      <a:srgbClr val="000066"/>
+                    </a:solidFill>
+                  </a:rPr>
+                  <a:t> </a:t>
+                </a:r>
               </a:p>
             </p:txBody>
           </p:sp>
         </mc:Choice>
-        <mc:Fallback xmlns="">
+        <mc:Fallback>
           <p:sp>
             <p:nvSpPr>
               <p:cNvPr id="10" name="Tekstvak 9">
@@ -4916,7 +5237,7 @@
             </p:nvSpPr>
             <p:spPr>
               <a:xfrm>
-                <a:off x="6600043" y="2794466"/>
+                <a:off x="6600043" y="2475021"/>
                 <a:ext cx="4911024" cy="1907958"/>
               </a:xfrm>
               <a:prstGeom prst="rect">
@@ -5019,6 +5340,49 @@
           </a:p>
         </p:txBody>
       </p:sp>
+      <p:cxnSp>
+        <p:nvCxnSpPr>
+          <p:cNvPr id="8" name="Rechte verbindingslijn 7">
+            <a:extLst>
+              <a:ext uri="{FF2B5EF4-FFF2-40B4-BE49-F238E27FC236}">
+                <a16:creationId xmlns:a16="http://schemas.microsoft.com/office/drawing/2014/main" id="{6CB2BAE5-EDE1-405A-9E63-B942F1F55A4B}"/>
+              </a:ext>
+            </a:extLst>
+          </p:cNvPr>
+          <p:cNvCxnSpPr>
+            <a:cxnSpLocks/>
+          </p:cNvCxnSpPr>
+          <p:nvPr/>
+        </p:nvCxnSpPr>
+        <p:spPr>
+          <a:xfrm flipH="1">
+            <a:off x="1181908" y="4744018"/>
+            <a:ext cx="3922752" cy="0"/>
+          </a:xfrm>
+          <a:prstGeom prst="line">
+            <a:avLst/>
+          </a:prstGeom>
+          <a:ln w="28575">
+            <a:solidFill>
+              <a:srgbClr val="000066"/>
+            </a:solidFill>
+          </a:ln>
+        </p:spPr>
+        <p:style>
+          <a:lnRef idx="1">
+            <a:schemeClr val="accent1"/>
+          </a:lnRef>
+          <a:fillRef idx="0">
+            <a:schemeClr val="accent1"/>
+          </a:fillRef>
+          <a:effectRef idx="0">
+            <a:schemeClr val="accent1"/>
+          </a:effectRef>
+          <a:fontRef idx="minor">
+            <a:schemeClr val="tx1"/>
+          </a:fontRef>
+        </p:style>
+      </p:cxnSp>
     </p:spTree>
     <p:extLst>
       <p:ext uri="{BB962C8B-B14F-4D97-AF65-F5344CB8AC3E}">
@@ -5483,14 +5847,180 @@
         </p:blipFill>
         <p:spPr>
           <a:xfrm>
-            <a:off x="2120841" y="2730373"/>
-            <a:ext cx="7950317" cy="3652370"/>
+            <a:off x="2469011" y="3050271"/>
+            <a:ext cx="7253978" cy="3332472"/>
           </a:xfrm>
           <a:prstGeom prst="rect">
             <a:avLst/>
           </a:prstGeom>
         </p:spPr>
       </p:pic>
+      <mc:AlternateContent xmlns:mc="http://schemas.openxmlformats.org/markup-compatibility/2006">
+        <mc:Choice xmlns:a14="http://schemas.microsoft.com/office/drawing/2010/main" Requires="a14">
+          <p:sp>
+            <p:nvSpPr>
+              <p:cNvPr id="7" name="Tekstvak 6">
+                <a:extLst>
+                  <a:ext uri="{FF2B5EF4-FFF2-40B4-BE49-F238E27FC236}">
+                    <a16:creationId xmlns:a16="http://schemas.microsoft.com/office/drawing/2014/main" id="{4C2DAF01-E6D9-4474-BDFF-7128A6188225}"/>
+                  </a:ext>
+                </a:extLst>
+              </p:cNvPr>
+              <p:cNvSpPr txBox="1"/>
+              <p:nvPr/>
+            </p:nvSpPr>
+            <p:spPr>
+              <a:xfrm>
+                <a:off x="3225464" y="2514929"/>
+                <a:ext cx="5512471" cy="430887"/>
+              </a:xfrm>
+              <a:prstGeom prst="rect">
+                <a:avLst/>
+              </a:prstGeom>
+              <a:noFill/>
+            </p:spPr>
+            <p:txBody>
+              <a:bodyPr wrap="none" lIns="0" tIns="0" rIns="0" bIns="0" rtlCol="0">
+                <a:spAutoFit/>
+              </a:bodyPr>
+              <a:lstStyle/>
+              <a:p>
+                <a:pPr/>
+                <a14:m>
+                  <m:oMathPara xmlns:m="http://schemas.openxmlformats.org/officeDocument/2006/math">
+                    <m:oMathParaPr>
+                      <m:jc m:val="centerGroup"/>
+                    </m:oMathParaPr>
+                    <m:oMath xmlns:m="http://schemas.openxmlformats.org/officeDocument/2006/math">
+                      <m:r>
+                        <a:rPr lang="nl-NL" sz="2800" b="0" i="1" smtClean="0">
+                          <a:solidFill>
+                            <a:srgbClr val="000066"/>
+                          </a:solidFill>
+                          <a:latin typeface="Cambria Math" panose="02040503050406030204" pitchFamily="18" charset="0"/>
+                        </a:rPr>
+                        <m:t>𝐾</m:t>
+                      </m:r>
+                      <m:r>
+                        <a:rPr lang="nl-NL" sz="2800" b="0" i="1" smtClean="0">
+                          <a:solidFill>
+                            <a:srgbClr val="000066"/>
+                          </a:solidFill>
+                          <a:latin typeface="Cambria Math" panose="02040503050406030204" pitchFamily="18" charset="0"/>
+                        </a:rPr>
+                        <m:t>=</m:t>
+                      </m:r>
+                      <m:r>
+                        <a:rPr lang="nl-NL" sz="2800" b="0" i="1" smtClean="0">
+                          <a:solidFill>
+                            <a:srgbClr val="000066"/>
+                          </a:solidFill>
+                          <a:latin typeface="Cambria Math" panose="02040503050406030204" pitchFamily="18" charset="0"/>
+                        </a:rPr>
+                        <m:t>𝑝</m:t>
+                      </m:r>
+                      <m:r>
+                        <a:rPr lang="nl-NL" sz="2800" b="0" i="1" smtClean="0">
+                          <a:solidFill>
+                            <a:srgbClr val="000066"/>
+                          </a:solidFill>
+                          <a:latin typeface="Cambria Math" panose="02040503050406030204" pitchFamily="18" charset="0"/>
+                        </a:rPr>
+                        <m:t> ∗10000 −(</m:t>
+                      </m:r>
+                      <m:r>
+                        <a:rPr lang="nl-NL" sz="2800" b="0" i="1" smtClean="0">
+                          <a:solidFill>
+                            <a:srgbClr val="000066"/>
+                          </a:solidFill>
+                          <a:latin typeface="Cambria Math" panose="02040503050406030204" pitchFamily="18" charset="0"/>
+                        </a:rPr>
+                        <m:t>𝑇</m:t>
+                      </m:r>
+                      <m:r>
+                        <a:rPr lang="nl-NL" sz="2800" b="0" i="1" smtClean="0">
+                          <a:solidFill>
+                            <a:srgbClr val="000066"/>
+                          </a:solidFill>
+                          <a:latin typeface="Cambria Math" panose="02040503050406030204" pitchFamily="18" charset="0"/>
+                        </a:rPr>
+                        <m:t> ∗100+</m:t>
+                      </m:r>
+                      <m:r>
+                        <a:rPr lang="nl-NL" sz="2800" b="0" i="1" smtClean="0">
+                          <a:solidFill>
+                            <a:srgbClr val="000066"/>
+                          </a:solidFill>
+                          <a:latin typeface="Cambria Math" panose="02040503050406030204" pitchFamily="18" charset="0"/>
+                        </a:rPr>
+                        <m:t>𝑀𝑖𝑛</m:t>
+                      </m:r>
+                      <m:r>
+                        <a:rPr lang="nl-NL" sz="2800" b="0" i="1" smtClean="0">
+                          <a:solidFill>
+                            <a:srgbClr val="000066"/>
+                          </a:solidFill>
+                          <a:latin typeface="Cambria Math" panose="02040503050406030204" pitchFamily="18" charset="0"/>
+                        </a:rPr>
+                        <m:t>)</m:t>
+                      </m:r>
+                    </m:oMath>
+                  </m:oMathPara>
+                </a14:m>
+                <a:endParaRPr lang="nl-NL" dirty="0">
+                  <a:solidFill>
+                    <a:srgbClr val="000066"/>
+                  </a:solidFill>
+                </a:endParaRPr>
+              </a:p>
+            </p:txBody>
+          </p:sp>
+        </mc:Choice>
+        <mc:Fallback>
+          <p:sp>
+            <p:nvSpPr>
+              <p:cNvPr id="7" name="Tekstvak 6">
+                <a:extLst>
+                  <a:ext uri="{FF2B5EF4-FFF2-40B4-BE49-F238E27FC236}">
+                    <a16:creationId xmlns:a16="http://schemas.microsoft.com/office/drawing/2014/main" id="{4C2DAF01-E6D9-4474-BDFF-7128A6188225}"/>
+                  </a:ext>
+                </a:extLst>
+              </p:cNvPr>
+              <p:cNvSpPr txBox="1">
+                <a:spLocks noRot="1" noChangeAspect="1" noMove="1" noResize="1" noEditPoints="1" noAdjustHandles="1" noChangeArrowheads="1" noChangeShapeType="1" noTextEdit="1"/>
+              </p:cNvSpPr>
+              <p:nvPr/>
+            </p:nvSpPr>
+            <p:spPr>
+              <a:xfrm>
+                <a:off x="3225464" y="2514929"/>
+                <a:ext cx="5512471" cy="430887"/>
+              </a:xfrm>
+              <a:prstGeom prst="rect">
+                <a:avLst/>
+              </a:prstGeom>
+              <a:blipFill>
+                <a:blip r:embed="rId3"/>
+                <a:stretch>
+                  <a:fillRect/>
+                </a:stretch>
+              </a:blipFill>
+            </p:spPr>
+            <p:txBody>
+              <a:bodyPr/>
+              <a:lstStyle/>
+              <a:p>
+                <a:r>
+                  <a:rPr lang="nl-NL">
+                    <a:noFill/>
+                  </a:rPr>
+                  <a:t> </a:t>
+                </a:r>
+              </a:p>
+            </p:txBody>
+          </p:sp>
+        </mc:Fallback>
+      </mc:AlternateContent>
     </p:spTree>
     <p:extLst>
       <p:ext uri="{BB962C8B-B14F-4D97-AF65-F5344CB8AC3E}">
